--- a/docs/heidelberg.schmerz.superNova.v2/CPAInstructions.pptx
+++ b/docs/heidelberg.schmerz.superNova.v2/CPAInstructions.pptx
@@ -204,7 +204,7 @@
           <a:p>
             <a:fld id="{9597641E-1FEC-4D17-ABE5-FD3DD377A8DB}" type="datetimeFigureOut">
               <a:rPr lang="en-DK" smtClean="0"/>
-              <a:t>03/25/2025</a:t>
+              <a:t>08/04/2025</a:t>
             </a:fld>
             <a:endParaRPr lang="en-DK"/>
           </a:p>
@@ -363,7 +363,7 @@
           <a:p>
             <a:fld id="{BAC487C0-0654-45DF-9D5A-54C128884D5E}" type="slidenum">
               <a:rPr lang="en-DK" smtClean="0"/>
-              <a:t>‹Nr.›</a:t>
+              <a:t>‹#›</a:t>
             </a:fld>
             <a:endParaRPr lang="en-DK"/>
           </a:p>
@@ -541,17 +541,7 @@
                 <a:effectLst/>
                 <a:latin typeface="Fira Code" pitchFamily="1" charset="0"/>
               </a:rPr>
-              <a:t>GER_general_instructions</a:t>
-            </a:r>
-            <a:r>
-              <a:rPr lang="en-GB" b="0" dirty="0">
-                <a:solidFill>
-                  <a:srgbClr val="CE9178"/>
-                </a:solidFill>
-                <a:effectLst/>
-                <a:latin typeface="Fira Code" pitchFamily="1" charset="0"/>
-              </a:rPr>
-              <a:t>.png</a:t>
+              <a:t>INTRODUCTION</a:t>
             </a:r>
             <a:endParaRPr lang="en-GB" b="0" dirty="0">
               <a:solidFill>
@@ -671,7 +661,7 @@
                 <a:effectLst/>
                 <a:latin typeface="Fira Code" pitchFamily="1" charset="0"/>
               </a:rPr>
-              <a:t>GER_WUSSP</a:t>
+              <a:t>WUSSP</a:t>
             </a:r>
             <a:r>
               <a:rPr lang="en-GB" b="0" dirty="0">
@@ -776,22 +766,10 @@
           <a:bodyPr/>
           <a:lstStyle/>
           <a:p>
-            <a:pPr marL="0" marR="0" lvl="0" indent="0" algn="l" defTabSz="914400" rtl="0" eaLnBrk="1" fontAlgn="auto" latinLnBrk="0" hangingPunct="1">
+            <a:pPr>
               <a:lnSpc>
-                <a:spcPct val="100000"/>
+                <a:spcPts val="1425"/>
               </a:lnSpc>
-              <a:spcBef>
-                <a:spcPts val="0"/>
-              </a:spcBef>
-              <a:spcAft>
-                <a:spcPts val="0"/>
-              </a:spcAft>
-              <a:buClrTx/>
-              <a:buSzTx/>
-              <a:buFontTx/>
-              <a:buNone/>
-              <a:tabLst/>
-              <a:defRPr/>
             </a:pPr>
             <a:r>
               <a:rPr lang="en-GB" b="0" dirty="0">
@@ -801,21 +779,11 @@
                 <a:effectLst/>
                 <a:latin typeface="Fira Code" pitchFamily="1" charset="0"/>
               </a:rPr>
-              <a:t>GER_SR(1).</a:t>
-            </a:r>
-            <a:r>
-              <a:rPr lang="en-GB" b="0" dirty="0">
-                <a:solidFill>
-                  <a:srgbClr val="CE9178"/>
-                </a:solidFill>
-                <a:effectLst/>
-                <a:latin typeface="Fira Code" pitchFamily="1" charset="0"/>
-              </a:rPr>
-              <a:t>png</a:t>
+              <a:t>DLEG</a:t>
             </a:r>
             <a:endParaRPr lang="en-GB" b="0" dirty="0">
               <a:solidFill>
-                <a:srgbClr val="D4D4D4"/>
+                <a:srgbClr val="3B3B3B"/>
               </a:solidFill>
               <a:effectLst/>
               <a:latin typeface="Fira Code" pitchFamily="1" charset="0"/>
@@ -906,22 +874,10 @@
           <a:bodyPr/>
           <a:lstStyle/>
           <a:p>
-            <a:pPr marL="0" marR="0" lvl="0" indent="0" algn="l" defTabSz="914400" rtl="0" eaLnBrk="1" fontAlgn="auto" latinLnBrk="0" hangingPunct="1">
+            <a:pPr>
               <a:lnSpc>
-                <a:spcPct val="100000"/>
+                <a:spcPts val="1425"/>
               </a:lnSpc>
-              <a:spcBef>
-                <a:spcPts val="0"/>
-              </a:spcBef>
-              <a:spcAft>
-                <a:spcPts val="0"/>
-              </a:spcAft>
-              <a:buClrTx/>
-              <a:buSzTx/>
-              <a:buFontTx/>
-              <a:buNone/>
-              <a:tabLst/>
-              <a:defRPr/>
             </a:pPr>
             <a:r>
               <a:rPr lang="en-GB" b="0" dirty="0">
@@ -931,21 +887,11 @@
                 <a:effectLst/>
                 <a:latin typeface="Fira Code" pitchFamily="1" charset="0"/>
               </a:rPr>
-              <a:t>GER_SR(2).</a:t>
-            </a:r>
-            <a:r>
-              <a:rPr lang="en-GB" b="0" dirty="0">
-                <a:solidFill>
-                  <a:srgbClr val="CE9178"/>
-                </a:solidFill>
-                <a:effectLst/>
-                <a:latin typeface="Fira Code" pitchFamily="1" charset="0"/>
-              </a:rPr>
-              <a:t>png</a:t>
+              <a:t>NDLEG</a:t>
             </a:r>
             <a:endParaRPr lang="en-GB" b="0" dirty="0">
               <a:solidFill>
-                <a:srgbClr val="D4D4D4"/>
+                <a:srgbClr val="3B3B3B"/>
               </a:solidFill>
               <a:effectLst/>
               <a:latin typeface="Fira Code" pitchFamily="1" charset="0"/>
@@ -1061,17 +1007,7 @@
                 <a:effectLst/>
                 <a:latin typeface="Fira Code" pitchFamily="1" charset="0"/>
               </a:rPr>
-              <a:t>GER_SSP</a:t>
-            </a:r>
-            <a:r>
-              <a:rPr lang="en-GB" b="0" dirty="0">
-                <a:solidFill>
-                  <a:srgbClr val="CE9178"/>
-                </a:solidFill>
-                <a:effectLst/>
-                <a:latin typeface="Fira Code" pitchFamily="1" charset="0"/>
-              </a:rPr>
-              <a:t>.png</a:t>
+              <a:t>SSP</a:t>
             </a:r>
             <a:endParaRPr lang="en-GB" b="0" dirty="0">
               <a:solidFill>
@@ -1191,17 +1127,7 @@
                 <a:effectLst/>
                 <a:latin typeface="Fira Code" pitchFamily="1" charset="0"/>
               </a:rPr>
-              <a:t>GER_TSP</a:t>
-            </a:r>
-            <a:r>
-              <a:rPr lang="en-GB" b="0" dirty="0">
-                <a:solidFill>
-                  <a:srgbClr val="CE9178"/>
-                </a:solidFill>
-                <a:effectLst/>
-                <a:latin typeface="Fira Code" pitchFamily="1" charset="0"/>
-              </a:rPr>
-              <a:t>.png</a:t>
+              <a:t>TS</a:t>
             </a:r>
             <a:endParaRPr lang="en-GB" b="0" dirty="0">
               <a:solidFill>
@@ -1296,22 +1222,10 @@
           <a:bodyPr/>
           <a:lstStyle/>
           <a:p>
-            <a:pPr marL="0" marR="0" lvl="0" indent="0" algn="l" defTabSz="914400" rtl="0" eaLnBrk="1" fontAlgn="auto" latinLnBrk="0" hangingPunct="1">
+            <a:pPr>
               <a:lnSpc>
-                <a:spcPct val="100000"/>
+                <a:spcPts val="1425"/>
               </a:lnSpc>
-              <a:spcBef>
-                <a:spcPts val="0"/>
-              </a:spcBef>
-              <a:spcAft>
-                <a:spcPts val="0"/>
-              </a:spcAft>
-              <a:buClrTx/>
-              <a:buSzTx/>
-              <a:buFontTx/>
-              <a:buNone/>
-              <a:tabLst/>
-              <a:defRPr/>
             </a:pPr>
             <a:r>
               <a:rPr lang="en-GB" b="0" dirty="0">
@@ -1321,25 +1235,18 @@
                 <a:effectLst/>
                 <a:latin typeface="Fira Code" pitchFamily="1" charset="0"/>
               </a:rPr>
-              <a:t>GER_CMP_a</a:t>
-            </a:r>
-            <a:r>
-              <a:rPr lang="en-GB" b="0" dirty="0">
-                <a:solidFill>
-                  <a:srgbClr val="CE9178"/>
-                </a:solidFill>
-                <a:effectLst/>
-                <a:latin typeface="Fira Code" pitchFamily="1" charset="0"/>
-              </a:rPr>
-              <a:t>.png</a:t>
+              <a:t>CPM</a:t>
             </a:r>
             <a:endParaRPr lang="en-GB" b="0" dirty="0">
               <a:solidFill>
-                <a:srgbClr val="D4D4D4"/>
+                <a:srgbClr val="3B3B3B"/>
               </a:solidFill>
               <a:effectLst/>
               <a:latin typeface="Fira Code" pitchFamily="1" charset="0"/>
             </a:endParaRPr>
+          </a:p>
+          <a:p>
+            <a:endParaRPr lang="en-GB" dirty="0"/>
           </a:p>
           <a:p>
             <a:endParaRPr lang="en-DK" dirty="0"/>
@@ -1426,22 +1333,10 @@
           <a:bodyPr/>
           <a:lstStyle/>
           <a:p>
-            <a:pPr marL="0" marR="0" lvl="0" indent="0" algn="l" defTabSz="914400" rtl="0" eaLnBrk="1" fontAlgn="auto" latinLnBrk="0" hangingPunct="1">
+            <a:pPr>
               <a:lnSpc>
-                <a:spcPct val="100000"/>
+                <a:spcPts val="1425"/>
               </a:lnSpc>
-              <a:spcBef>
-                <a:spcPts val="0"/>
-              </a:spcBef>
-              <a:spcAft>
-                <a:spcPts val="0"/>
-              </a:spcAft>
-              <a:buClrTx/>
-              <a:buSzTx/>
-              <a:buFontTx/>
-              <a:buNone/>
-              <a:tabLst/>
-              <a:defRPr/>
             </a:pPr>
             <a:r>
               <a:rPr lang="en-GB" b="0" dirty="0">
@@ -1451,28 +1346,15 @@
                 <a:effectLst/>
                 <a:latin typeface="Fira Code" pitchFamily="1" charset="0"/>
               </a:rPr>
-              <a:t>GER_CMP_b</a:t>
-            </a:r>
-            <a:r>
-              <a:rPr lang="en-GB" b="0" dirty="0">
-                <a:solidFill>
-                  <a:srgbClr val="CE9178"/>
-                </a:solidFill>
-                <a:effectLst/>
-                <a:latin typeface="Fira Code" pitchFamily="1" charset="0"/>
-              </a:rPr>
-              <a:t>.png</a:t>
+              <a:t>COND</a:t>
             </a:r>
             <a:endParaRPr lang="en-GB" b="0" dirty="0">
               <a:solidFill>
-                <a:srgbClr val="D4D4D4"/>
+                <a:srgbClr val="3B3B3B"/>
               </a:solidFill>
               <a:effectLst/>
               <a:latin typeface="Fira Code" pitchFamily="1" charset="0"/>
             </a:endParaRPr>
-          </a:p>
-          <a:p>
-            <a:endParaRPr lang="en-DK" dirty="0"/>
           </a:p>
         </p:txBody>
       </p:sp>
@@ -1661,7 +1543,7 @@
           <a:p>
             <a:fld id="{FD945BFA-2589-44DD-9174-8BD10EC1EAAD}" type="datetimeFigureOut">
               <a:rPr lang="en-DK" smtClean="0"/>
-              <a:t>03/25/2025</a:t>
+              <a:t>08/04/2025</a:t>
             </a:fld>
             <a:endParaRPr lang="en-DK"/>
           </a:p>
@@ -1715,7 +1597,7 @@
           <a:p>
             <a:fld id="{B20D6917-A216-4A81-9596-2D657B0DF3D0}" type="slidenum">
               <a:rPr lang="en-DK" smtClean="0"/>
-              <a:t>‹Nr.›</a:t>
+              <a:t>‹#›</a:t>
             </a:fld>
             <a:endParaRPr lang="en-DK"/>
           </a:p>
@@ -1861,7 +1743,7 @@
           <a:p>
             <a:fld id="{FD945BFA-2589-44DD-9174-8BD10EC1EAAD}" type="datetimeFigureOut">
               <a:rPr lang="en-DK" smtClean="0"/>
-              <a:t>03/25/2025</a:t>
+              <a:t>08/04/2025</a:t>
             </a:fld>
             <a:endParaRPr lang="en-DK"/>
           </a:p>
@@ -1915,7 +1797,7 @@
           <a:p>
             <a:fld id="{B20D6917-A216-4A81-9596-2D657B0DF3D0}" type="slidenum">
               <a:rPr lang="en-DK" smtClean="0"/>
-              <a:t>‹Nr.›</a:t>
+              <a:t>‹#›</a:t>
             </a:fld>
             <a:endParaRPr lang="en-DK"/>
           </a:p>
@@ -2071,7 +1953,7 @@
           <a:p>
             <a:fld id="{FD945BFA-2589-44DD-9174-8BD10EC1EAAD}" type="datetimeFigureOut">
               <a:rPr lang="en-DK" smtClean="0"/>
-              <a:t>03/25/2025</a:t>
+              <a:t>08/04/2025</a:t>
             </a:fld>
             <a:endParaRPr lang="en-DK"/>
           </a:p>
@@ -2125,7 +2007,7 @@
           <a:p>
             <a:fld id="{B20D6917-A216-4A81-9596-2D657B0DF3D0}" type="slidenum">
               <a:rPr lang="en-DK" smtClean="0"/>
-              <a:t>‹Nr.›</a:t>
+              <a:t>‹#›</a:t>
             </a:fld>
             <a:endParaRPr lang="en-DK"/>
           </a:p>
@@ -2271,7 +2153,7 @@
           <a:p>
             <a:fld id="{FD945BFA-2589-44DD-9174-8BD10EC1EAAD}" type="datetimeFigureOut">
               <a:rPr lang="en-DK" smtClean="0"/>
-              <a:t>03/25/2025</a:t>
+              <a:t>08/04/2025</a:t>
             </a:fld>
             <a:endParaRPr lang="en-DK"/>
           </a:p>
@@ -2325,7 +2207,7 @@
           <a:p>
             <a:fld id="{B20D6917-A216-4A81-9596-2D657B0DF3D0}" type="slidenum">
               <a:rPr lang="en-DK" smtClean="0"/>
-              <a:t>‹Nr.›</a:t>
+              <a:t>‹#›</a:t>
             </a:fld>
             <a:endParaRPr lang="en-DK"/>
           </a:p>
@@ -2547,7 +2429,7 @@
           <a:p>
             <a:fld id="{FD945BFA-2589-44DD-9174-8BD10EC1EAAD}" type="datetimeFigureOut">
               <a:rPr lang="en-DK" smtClean="0"/>
-              <a:t>03/25/2025</a:t>
+              <a:t>08/04/2025</a:t>
             </a:fld>
             <a:endParaRPr lang="en-DK"/>
           </a:p>
@@ -2601,7 +2483,7 @@
           <a:p>
             <a:fld id="{B20D6917-A216-4A81-9596-2D657B0DF3D0}" type="slidenum">
               <a:rPr lang="en-DK" smtClean="0"/>
-              <a:t>‹Nr.›</a:t>
+              <a:t>‹#›</a:t>
             </a:fld>
             <a:endParaRPr lang="en-DK"/>
           </a:p>
@@ -2815,7 +2697,7 @@
           <a:p>
             <a:fld id="{FD945BFA-2589-44DD-9174-8BD10EC1EAAD}" type="datetimeFigureOut">
               <a:rPr lang="en-DK" smtClean="0"/>
-              <a:t>03/25/2025</a:t>
+              <a:t>08/04/2025</a:t>
             </a:fld>
             <a:endParaRPr lang="en-DK"/>
           </a:p>
@@ -2869,7 +2751,7 @@
           <a:p>
             <a:fld id="{B20D6917-A216-4A81-9596-2D657B0DF3D0}" type="slidenum">
               <a:rPr lang="en-DK" smtClean="0"/>
-              <a:t>‹Nr.›</a:t>
+              <a:t>‹#›</a:t>
             </a:fld>
             <a:endParaRPr lang="en-DK"/>
           </a:p>
@@ -3230,7 +3112,7 @@
           <a:p>
             <a:fld id="{FD945BFA-2589-44DD-9174-8BD10EC1EAAD}" type="datetimeFigureOut">
               <a:rPr lang="en-DK" smtClean="0"/>
-              <a:t>03/25/2025</a:t>
+              <a:t>08/04/2025</a:t>
             </a:fld>
             <a:endParaRPr lang="en-DK"/>
           </a:p>
@@ -3284,7 +3166,7 @@
           <a:p>
             <a:fld id="{B20D6917-A216-4A81-9596-2D657B0DF3D0}" type="slidenum">
               <a:rPr lang="en-DK" smtClean="0"/>
-              <a:t>‹Nr.›</a:t>
+              <a:t>‹#›</a:t>
             </a:fld>
             <a:endParaRPr lang="en-DK"/>
           </a:p>
@@ -3372,7 +3254,7 @@
           <a:p>
             <a:fld id="{FD945BFA-2589-44DD-9174-8BD10EC1EAAD}" type="datetimeFigureOut">
               <a:rPr lang="en-DK" smtClean="0"/>
-              <a:t>03/25/2025</a:t>
+              <a:t>08/04/2025</a:t>
             </a:fld>
             <a:endParaRPr lang="en-DK"/>
           </a:p>
@@ -3426,7 +3308,7 @@
           <a:p>
             <a:fld id="{B20D6917-A216-4A81-9596-2D657B0DF3D0}" type="slidenum">
               <a:rPr lang="en-DK" smtClean="0"/>
-              <a:t>‹Nr.›</a:t>
+              <a:t>‹#›</a:t>
             </a:fld>
             <a:endParaRPr lang="en-DK"/>
           </a:p>
@@ -3485,7 +3367,7 @@
           <a:p>
             <a:fld id="{FD945BFA-2589-44DD-9174-8BD10EC1EAAD}" type="datetimeFigureOut">
               <a:rPr lang="en-DK" smtClean="0"/>
-              <a:t>03/25/2025</a:t>
+              <a:t>08/04/2025</a:t>
             </a:fld>
             <a:endParaRPr lang="en-DK"/>
           </a:p>
@@ -3539,7 +3421,7 @@
           <a:p>
             <a:fld id="{B20D6917-A216-4A81-9596-2D657B0DF3D0}" type="slidenum">
               <a:rPr lang="en-DK" smtClean="0"/>
-              <a:t>‹Nr.›</a:t>
+              <a:t>‹#›</a:t>
             </a:fld>
             <a:endParaRPr lang="en-DK"/>
           </a:p>
@@ -3798,7 +3680,7 @@
           <a:p>
             <a:fld id="{FD945BFA-2589-44DD-9174-8BD10EC1EAAD}" type="datetimeFigureOut">
               <a:rPr lang="en-DK" smtClean="0"/>
-              <a:t>03/25/2025</a:t>
+              <a:t>08/04/2025</a:t>
             </a:fld>
             <a:endParaRPr lang="en-DK"/>
           </a:p>
@@ -3852,7 +3734,7 @@
           <a:p>
             <a:fld id="{B20D6917-A216-4A81-9596-2D657B0DF3D0}" type="slidenum">
               <a:rPr lang="en-DK" smtClean="0"/>
-              <a:t>‹Nr.›</a:t>
+              <a:t>‹#›</a:t>
             </a:fld>
             <a:endParaRPr lang="en-DK"/>
           </a:p>
@@ -4087,7 +3969,7 @@
           <a:p>
             <a:fld id="{FD945BFA-2589-44DD-9174-8BD10EC1EAAD}" type="datetimeFigureOut">
               <a:rPr lang="en-DK" smtClean="0"/>
-              <a:t>03/25/2025</a:t>
+              <a:t>08/04/2025</a:t>
             </a:fld>
             <a:endParaRPr lang="en-DK"/>
           </a:p>
@@ -4141,7 +4023,7 @@
           <a:p>
             <a:fld id="{B20D6917-A216-4A81-9596-2D657B0DF3D0}" type="slidenum">
               <a:rPr lang="en-DK" smtClean="0"/>
-              <a:t>‹Nr.›</a:t>
+              <a:t>‹#›</a:t>
             </a:fld>
             <a:endParaRPr lang="en-DK"/>
           </a:p>
@@ -4330,7 +4212,7 @@
           <a:p>
             <a:fld id="{FD945BFA-2589-44DD-9174-8BD10EC1EAAD}" type="datetimeFigureOut">
               <a:rPr lang="en-DK" smtClean="0"/>
-              <a:t>03/25/2025</a:t>
+              <a:t>08/04/2025</a:t>
             </a:fld>
             <a:endParaRPr lang="en-DK"/>
           </a:p>
@@ -4420,7 +4302,7 @@
           <a:p>
             <a:fld id="{B20D6917-A216-4A81-9596-2D657B0DF3D0}" type="slidenum">
               <a:rPr lang="en-DK" smtClean="0"/>
-              <a:t>‹Nr.›</a:t>
+              <a:t>‹#›</a:t>
             </a:fld>
             <a:endParaRPr lang="en-DK"/>
           </a:p>
@@ -7143,114 +7025,6 @@
       </p:grpSpPr>
       <p:sp>
         <p:nvSpPr>
-          <p:cNvPr id="4" name="TextBox 1">
-            <a:extLst>
-              <a:ext uri="{FF2B5EF4-FFF2-40B4-BE49-F238E27FC236}">
-                <a16:creationId xmlns:a16="http://schemas.microsoft.com/office/drawing/2014/main" id="{E676E0BD-793D-41EF-BD26-383887C79BF7}"/>
-              </a:ext>
-            </a:extLst>
-          </p:cNvPr>
-          <p:cNvSpPr txBox="1"/>
-          <p:nvPr/>
-        </p:nvSpPr>
-        <p:spPr>
-          <a:xfrm>
-            <a:off x="844731" y="364402"/>
-            <a:ext cx="10528664" cy="658835"/>
-          </a:xfrm>
-          <a:prstGeom prst="rect">
-            <a:avLst/>
-          </a:prstGeom>
-          <a:noFill/>
-        </p:spPr>
-        <p:txBody>
-          <a:bodyPr wrap="square">
-            <a:spAutoFit/>
-          </a:bodyPr>
-          <a:lstStyle/>
-          <a:p>
-            <a:pPr algn="ctr">
-              <a:lnSpc>
-                <a:spcPct val="107000"/>
-              </a:lnSpc>
-              <a:spcAft>
-                <a:spcPts val="2400"/>
-              </a:spcAft>
-            </a:pPr>
-            <a:r>
-              <a:rPr lang="de-DE" sz="3600" b="1" kern="100" dirty="0">
-                <a:solidFill>
-                  <a:srgbClr val="0070C0"/>
-                </a:solidFill>
-                <a:effectLst/>
-                <a:latin typeface="Calibri" panose="020F0502020204030204" pitchFamily="34" charset="0"/>
-                <a:ea typeface="Times New Roman" panose="02020603050405020304" pitchFamily="18" charset="0"/>
-                <a:cs typeface="Times New Roman" panose="02020603050405020304" pitchFamily="18" charset="0"/>
-              </a:rPr>
-              <a:t>Konditionierte Schmerzmodulation </a:t>
-            </a:r>
-            <a:r>
-              <a:rPr lang="en-GB" sz="3600" b="1" kern="100" dirty="0">
-                <a:solidFill>
-                  <a:srgbClr val="0070C0"/>
-                </a:solidFill>
-                <a:effectLst/>
-                <a:latin typeface="Calibri" panose="020F0502020204030204" pitchFamily="34" charset="0"/>
-                <a:ea typeface="Times New Roman" panose="02020603050405020304" pitchFamily="18" charset="0"/>
-                <a:cs typeface="Times New Roman" panose="02020603050405020304" pitchFamily="18" charset="0"/>
-              </a:rPr>
-              <a:t>(</a:t>
-            </a:r>
-            <a:r>
-              <a:rPr lang="en-GB" sz="3600" b="1" kern="100" dirty="0" err="1">
-                <a:solidFill>
-                  <a:srgbClr val="0070C0"/>
-                </a:solidFill>
-                <a:effectLst/>
-                <a:latin typeface="Calibri" panose="020F0502020204030204" pitchFamily="34" charset="0"/>
-                <a:ea typeface="Times New Roman" panose="02020603050405020304" pitchFamily="18" charset="0"/>
-                <a:cs typeface="Times New Roman" panose="02020603050405020304" pitchFamily="18" charset="0"/>
-              </a:rPr>
-              <a:t>CPM_b</a:t>
-            </a:r>
-            <a:r>
-              <a:rPr lang="en-GB" sz="3600" b="1" kern="100" dirty="0">
-                <a:solidFill>
-                  <a:srgbClr val="0070C0"/>
-                </a:solidFill>
-                <a:effectLst/>
-                <a:latin typeface="Calibri" panose="020F0502020204030204" pitchFamily="34" charset="0"/>
-                <a:ea typeface="Times New Roman" panose="02020603050405020304" pitchFamily="18" charset="0"/>
-                <a:cs typeface="Times New Roman" panose="02020603050405020304" pitchFamily="18" charset="0"/>
-              </a:rPr>
-              <a:t>)</a:t>
-            </a:r>
-            <a:r>
-              <a:rPr lang="en-GB" sz="1400" b="1" kern="100" dirty="0">
-                <a:solidFill>
-                  <a:srgbClr val="0070C0"/>
-                </a:solidFill>
-                <a:effectLst/>
-                <a:latin typeface="Calibri" panose="020F0502020204030204" pitchFamily="34" charset="0"/>
-                <a:ea typeface="Times New Roman" panose="02020603050405020304" pitchFamily="18" charset="0"/>
-                <a:cs typeface="Times New Roman" panose="02020603050405020304" pitchFamily="18" charset="0"/>
-              </a:rPr>
-              <a:t> </a:t>
-            </a:r>
-            <a:endParaRPr lang="en-DK" sz="1400" b="1" kern="100" dirty="0">
-              <a:solidFill>
-                <a:srgbClr val="0070C0"/>
-              </a:solidFill>
-              <a:effectLst/>
-              <a:latin typeface="Calibri" panose="020F0502020204030204" pitchFamily="34" charset="0"/>
-              <a:ea typeface="Times New Roman" panose="02020603050405020304" pitchFamily="18" charset="0"/>
-              <a:cs typeface="Times New Roman" panose="02020603050405020304" pitchFamily="18" charset="0"/>
-            </a:endParaRPr>
-          </a:p>
-        </p:txBody>
-      </p:sp>
-      <p:sp>
-        <p:nvSpPr>
           <p:cNvPr id="5" name="TextBox 1">
             <a:extLst>
               <a:ext uri="{FF2B5EF4-FFF2-40B4-BE49-F238E27FC236}">
@@ -7263,8 +7037,8 @@
         </p:nvSpPr>
         <p:spPr>
           <a:xfrm>
-            <a:off x="844731" y="1929730"/>
-            <a:ext cx="10528664" cy="4470198"/>
+            <a:off x="844731" y="1541592"/>
+            <a:ext cx="10528664" cy="3774816"/>
           </a:xfrm>
           <a:prstGeom prst="rect">
             <a:avLst/>
@@ -7276,37 +7050,6 @@
             <a:spAutoFit/>
           </a:bodyPr>
           <a:lstStyle/>
-          <a:p>
-            <a:pPr algn="ctr">
-              <a:lnSpc>
-                <a:spcPct val="107000"/>
-              </a:lnSpc>
-              <a:spcAft>
-                <a:spcPts val="1200"/>
-              </a:spcAft>
-            </a:pPr>
-            <a:r>
-              <a:rPr lang="de-DE" sz="3200" b="1" kern="100" dirty="0">
-                <a:solidFill>
-                  <a:srgbClr val="0070C0"/>
-                </a:solidFill>
-                <a:effectLst/>
-                <a:latin typeface="Calibri" panose="020F0502020204030204" pitchFamily="34" charset="0"/>
-                <a:ea typeface="Times New Roman" panose="02020603050405020304" pitchFamily="18" charset="0"/>
-                <a:cs typeface="Times New Roman" panose="02020603050405020304" pitchFamily="18" charset="0"/>
-              </a:rPr>
-              <a:t>Probandeninstruktionen:</a:t>
-            </a:r>
-            <a:endParaRPr lang="en-DK" sz="1400" kern="100" dirty="0">
-              <a:solidFill>
-                <a:srgbClr val="0070C0"/>
-              </a:solidFill>
-              <a:effectLst/>
-              <a:latin typeface="Calibri" panose="020F0502020204030204" pitchFamily="34" charset="0"/>
-              <a:ea typeface="Times New Roman" panose="02020603050405020304" pitchFamily="18" charset="0"/>
-              <a:cs typeface="Times New Roman" panose="02020603050405020304" pitchFamily="18" charset="0"/>
-            </a:endParaRPr>
-          </a:p>
           <a:p>
             <a:pPr>
               <a:lnSpc>

--- a/docs/heidelberg.schmerz.superNova.v2/CPAInstructions.pptx
+++ b/docs/heidelberg.schmerz.superNova.v2/CPAInstructions.pptx
@@ -204,7 +204,7 @@
           <a:p>
             <a:fld id="{9597641E-1FEC-4D17-ABE5-FD3DD377A8DB}" type="datetimeFigureOut">
               <a:rPr lang="en-DK" smtClean="0"/>
-              <a:t>08/04/2025</a:t>
+              <a:t>05/06/2025</a:t>
             </a:fld>
             <a:endParaRPr lang="en-DK"/>
           </a:p>
@@ -363,7 +363,7 @@
           <a:p>
             <a:fld id="{BAC487C0-0654-45DF-9D5A-54C128884D5E}" type="slidenum">
               <a:rPr lang="en-DK" smtClean="0"/>
-              <a:t>‹#›</a:t>
+              <a:t>‹Nr.›</a:t>
             </a:fld>
             <a:endParaRPr lang="en-DK"/>
           </a:p>
@@ -1543,7 +1543,7 @@
           <a:p>
             <a:fld id="{FD945BFA-2589-44DD-9174-8BD10EC1EAAD}" type="datetimeFigureOut">
               <a:rPr lang="en-DK" smtClean="0"/>
-              <a:t>08/04/2025</a:t>
+              <a:t>05/06/2025</a:t>
             </a:fld>
             <a:endParaRPr lang="en-DK"/>
           </a:p>
@@ -1597,7 +1597,7 @@
           <a:p>
             <a:fld id="{B20D6917-A216-4A81-9596-2D657B0DF3D0}" type="slidenum">
               <a:rPr lang="en-DK" smtClean="0"/>
-              <a:t>‹#›</a:t>
+              <a:t>‹Nr.›</a:t>
             </a:fld>
             <a:endParaRPr lang="en-DK"/>
           </a:p>
@@ -1743,7 +1743,7 @@
           <a:p>
             <a:fld id="{FD945BFA-2589-44DD-9174-8BD10EC1EAAD}" type="datetimeFigureOut">
               <a:rPr lang="en-DK" smtClean="0"/>
-              <a:t>08/04/2025</a:t>
+              <a:t>05/06/2025</a:t>
             </a:fld>
             <a:endParaRPr lang="en-DK"/>
           </a:p>
@@ -1797,7 +1797,7 @@
           <a:p>
             <a:fld id="{B20D6917-A216-4A81-9596-2D657B0DF3D0}" type="slidenum">
               <a:rPr lang="en-DK" smtClean="0"/>
-              <a:t>‹#›</a:t>
+              <a:t>‹Nr.›</a:t>
             </a:fld>
             <a:endParaRPr lang="en-DK"/>
           </a:p>
@@ -1953,7 +1953,7 @@
           <a:p>
             <a:fld id="{FD945BFA-2589-44DD-9174-8BD10EC1EAAD}" type="datetimeFigureOut">
               <a:rPr lang="en-DK" smtClean="0"/>
-              <a:t>08/04/2025</a:t>
+              <a:t>05/06/2025</a:t>
             </a:fld>
             <a:endParaRPr lang="en-DK"/>
           </a:p>
@@ -2007,7 +2007,7 @@
           <a:p>
             <a:fld id="{B20D6917-A216-4A81-9596-2D657B0DF3D0}" type="slidenum">
               <a:rPr lang="en-DK" smtClean="0"/>
-              <a:t>‹#›</a:t>
+              <a:t>‹Nr.›</a:t>
             </a:fld>
             <a:endParaRPr lang="en-DK"/>
           </a:p>
@@ -2153,7 +2153,7 @@
           <a:p>
             <a:fld id="{FD945BFA-2589-44DD-9174-8BD10EC1EAAD}" type="datetimeFigureOut">
               <a:rPr lang="en-DK" smtClean="0"/>
-              <a:t>08/04/2025</a:t>
+              <a:t>05/06/2025</a:t>
             </a:fld>
             <a:endParaRPr lang="en-DK"/>
           </a:p>
@@ -2207,7 +2207,7 @@
           <a:p>
             <a:fld id="{B20D6917-A216-4A81-9596-2D657B0DF3D0}" type="slidenum">
               <a:rPr lang="en-DK" smtClean="0"/>
-              <a:t>‹#›</a:t>
+              <a:t>‹Nr.›</a:t>
             </a:fld>
             <a:endParaRPr lang="en-DK"/>
           </a:p>
@@ -2429,7 +2429,7 @@
           <a:p>
             <a:fld id="{FD945BFA-2589-44DD-9174-8BD10EC1EAAD}" type="datetimeFigureOut">
               <a:rPr lang="en-DK" smtClean="0"/>
-              <a:t>08/04/2025</a:t>
+              <a:t>05/06/2025</a:t>
             </a:fld>
             <a:endParaRPr lang="en-DK"/>
           </a:p>
@@ -2483,7 +2483,7 @@
           <a:p>
             <a:fld id="{B20D6917-A216-4A81-9596-2D657B0DF3D0}" type="slidenum">
               <a:rPr lang="en-DK" smtClean="0"/>
-              <a:t>‹#›</a:t>
+              <a:t>‹Nr.›</a:t>
             </a:fld>
             <a:endParaRPr lang="en-DK"/>
           </a:p>
@@ -2697,7 +2697,7 @@
           <a:p>
             <a:fld id="{FD945BFA-2589-44DD-9174-8BD10EC1EAAD}" type="datetimeFigureOut">
               <a:rPr lang="en-DK" smtClean="0"/>
-              <a:t>08/04/2025</a:t>
+              <a:t>05/06/2025</a:t>
             </a:fld>
             <a:endParaRPr lang="en-DK"/>
           </a:p>
@@ -2751,7 +2751,7 @@
           <a:p>
             <a:fld id="{B20D6917-A216-4A81-9596-2D657B0DF3D0}" type="slidenum">
               <a:rPr lang="en-DK" smtClean="0"/>
-              <a:t>‹#›</a:t>
+              <a:t>‹Nr.›</a:t>
             </a:fld>
             <a:endParaRPr lang="en-DK"/>
           </a:p>
@@ -3112,7 +3112,7 @@
           <a:p>
             <a:fld id="{FD945BFA-2589-44DD-9174-8BD10EC1EAAD}" type="datetimeFigureOut">
               <a:rPr lang="en-DK" smtClean="0"/>
-              <a:t>08/04/2025</a:t>
+              <a:t>05/06/2025</a:t>
             </a:fld>
             <a:endParaRPr lang="en-DK"/>
           </a:p>
@@ -3166,7 +3166,7 @@
           <a:p>
             <a:fld id="{B20D6917-A216-4A81-9596-2D657B0DF3D0}" type="slidenum">
               <a:rPr lang="en-DK" smtClean="0"/>
-              <a:t>‹#›</a:t>
+              <a:t>‹Nr.›</a:t>
             </a:fld>
             <a:endParaRPr lang="en-DK"/>
           </a:p>
@@ -3254,7 +3254,7 @@
           <a:p>
             <a:fld id="{FD945BFA-2589-44DD-9174-8BD10EC1EAAD}" type="datetimeFigureOut">
               <a:rPr lang="en-DK" smtClean="0"/>
-              <a:t>08/04/2025</a:t>
+              <a:t>05/06/2025</a:t>
             </a:fld>
             <a:endParaRPr lang="en-DK"/>
           </a:p>
@@ -3308,7 +3308,7 @@
           <a:p>
             <a:fld id="{B20D6917-A216-4A81-9596-2D657B0DF3D0}" type="slidenum">
               <a:rPr lang="en-DK" smtClean="0"/>
-              <a:t>‹#›</a:t>
+              <a:t>‹Nr.›</a:t>
             </a:fld>
             <a:endParaRPr lang="en-DK"/>
           </a:p>
@@ -3367,7 +3367,7 @@
           <a:p>
             <a:fld id="{FD945BFA-2589-44DD-9174-8BD10EC1EAAD}" type="datetimeFigureOut">
               <a:rPr lang="en-DK" smtClean="0"/>
-              <a:t>08/04/2025</a:t>
+              <a:t>05/06/2025</a:t>
             </a:fld>
             <a:endParaRPr lang="en-DK"/>
           </a:p>
@@ -3421,7 +3421,7 @@
           <a:p>
             <a:fld id="{B20D6917-A216-4A81-9596-2D657B0DF3D0}" type="slidenum">
               <a:rPr lang="en-DK" smtClean="0"/>
-              <a:t>‹#›</a:t>
+              <a:t>‹Nr.›</a:t>
             </a:fld>
             <a:endParaRPr lang="en-DK"/>
           </a:p>
@@ -3680,7 +3680,7 @@
           <a:p>
             <a:fld id="{FD945BFA-2589-44DD-9174-8BD10EC1EAAD}" type="datetimeFigureOut">
               <a:rPr lang="en-DK" smtClean="0"/>
-              <a:t>08/04/2025</a:t>
+              <a:t>05/06/2025</a:t>
             </a:fld>
             <a:endParaRPr lang="en-DK"/>
           </a:p>
@@ -3734,7 +3734,7 @@
           <a:p>
             <a:fld id="{B20D6917-A216-4A81-9596-2D657B0DF3D0}" type="slidenum">
               <a:rPr lang="en-DK" smtClean="0"/>
-              <a:t>‹#›</a:t>
+              <a:t>‹Nr.›</a:t>
             </a:fld>
             <a:endParaRPr lang="en-DK"/>
           </a:p>
@@ -3969,7 +3969,7 @@
           <a:p>
             <a:fld id="{FD945BFA-2589-44DD-9174-8BD10EC1EAAD}" type="datetimeFigureOut">
               <a:rPr lang="en-DK" smtClean="0"/>
-              <a:t>08/04/2025</a:t>
+              <a:t>05/06/2025</a:t>
             </a:fld>
             <a:endParaRPr lang="en-DK"/>
           </a:p>
@@ -4023,7 +4023,7 @@
           <a:p>
             <a:fld id="{B20D6917-A216-4A81-9596-2D657B0DF3D0}" type="slidenum">
               <a:rPr lang="en-DK" smtClean="0"/>
-              <a:t>‹#›</a:t>
+              <a:t>‹Nr.›</a:t>
             </a:fld>
             <a:endParaRPr lang="en-DK"/>
           </a:p>
@@ -4212,7 +4212,7 @@
           <a:p>
             <a:fld id="{FD945BFA-2589-44DD-9174-8BD10EC1EAAD}" type="datetimeFigureOut">
               <a:rPr lang="en-DK" smtClean="0"/>
-              <a:t>08/04/2025</a:t>
+              <a:t>05/06/2025</a:t>
             </a:fld>
             <a:endParaRPr lang="en-DK"/>
           </a:p>
@@ -4302,7 +4302,7 @@
           <a:p>
             <a:fld id="{B20D6917-A216-4A81-9596-2D657B0DF3D0}" type="slidenum">
               <a:rPr lang="en-DK" smtClean="0"/>
-              <a:t>‹#›</a:t>
+              <a:t>‹Nr.›</a:t>
             </a:fld>
             <a:endParaRPr lang="en-DK"/>
           </a:p>
@@ -4712,8 +4712,8 @@
         </p:nvSpPr>
         <p:spPr>
           <a:xfrm>
-            <a:off x="831668" y="2037593"/>
-            <a:ext cx="10528664" cy="2782813"/>
+            <a:off x="831668" y="1660430"/>
+            <a:ext cx="10528664" cy="4466094"/>
           </a:xfrm>
           <a:prstGeom prst="rect">
             <a:avLst/>
@@ -4868,6 +4868,72 @@
                 <a:cs typeface="Calibri" panose="020F0502020204030204" pitchFamily="34" charset="0"/>
               </a:rPr>
               <a:t>ansteigt.</a:t>
+            </a:r>
+          </a:p>
+          <a:p>
+            <a:pPr>
+              <a:lnSpc>
+                <a:spcPct val="107000"/>
+              </a:lnSpc>
+              <a:spcAft>
+                <a:spcPts val="800"/>
+              </a:spcAft>
+            </a:pPr>
+            <a:r>
+              <a:rPr lang="de-DE" sz="2400" kern="100" dirty="0">
+                <a:latin typeface="Calibri" panose="020F0502020204030204" pitchFamily="34" charset="0"/>
+                <a:ea typeface="Times New Roman" panose="02020603050405020304" pitchFamily="18" charset="0"/>
+                <a:cs typeface="Calibri" panose="020F0502020204030204" pitchFamily="34" charset="0"/>
+              </a:rPr>
+              <a:t>Während der Durchgänge bewerten Sie die </a:t>
+            </a:r>
+            <a:r>
+              <a:rPr lang="de-DE" sz="2400" b="1" kern="100" dirty="0">
+                <a:latin typeface="Calibri" panose="020F0502020204030204" pitchFamily="34" charset="0"/>
+                <a:ea typeface="Times New Roman" panose="02020603050405020304" pitchFamily="18" charset="0"/>
+                <a:cs typeface="Calibri" panose="020F0502020204030204" pitchFamily="34" charset="0"/>
+              </a:rPr>
+              <a:t>Schmerzhaftigkeit der </a:t>
+            </a:r>
+            <a:r>
+              <a:rPr lang="de-DE" sz="2400" kern="100" dirty="0">
+                <a:latin typeface="Calibri" panose="020F0502020204030204" pitchFamily="34" charset="0"/>
+                <a:ea typeface="Times New Roman" panose="02020603050405020304" pitchFamily="18" charset="0"/>
+                <a:cs typeface="Calibri" panose="020F0502020204030204" pitchFamily="34" charset="0"/>
+              </a:rPr>
+              <a:t>Druckreize mit diesem </a:t>
+            </a:r>
+            <a:r>
+              <a:rPr lang="de-DE" sz="2400" b="1" kern="100" dirty="0">
+                <a:latin typeface="Calibri" panose="020F0502020204030204" pitchFamily="34" charset="0"/>
+                <a:ea typeface="Times New Roman" panose="02020603050405020304" pitchFamily="18" charset="0"/>
+                <a:cs typeface="Calibri" panose="020F0502020204030204" pitchFamily="34" charset="0"/>
+              </a:rPr>
+              <a:t>Schieberegler</a:t>
+            </a:r>
+            <a:r>
+              <a:rPr lang="de-DE" sz="2400" kern="100" dirty="0">
+                <a:latin typeface="Calibri" panose="020F0502020204030204" pitchFamily="34" charset="0"/>
+                <a:ea typeface="Times New Roman" panose="02020603050405020304" pitchFamily="18" charset="0"/>
+                <a:cs typeface="Calibri" panose="020F0502020204030204" pitchFamily="34" charset="0"/>
+              </a:rPr>
+              <a:t>. Sollten die Schmerzen zu irgendeinem Zeitpunkt untragbar werden, haben Sie jederzeit die Möglichkeit, </a:t>
+            </a:r>
+            <a:r>
+              <a:rPr lang="de-DE" sz="2400" b="1" kern="100" dirty="0">
+                <a:latin typeface="Calibri" panose="020F0502020204030204" pitchFamily="34" charset="0"/>
+                <a:ea typeface="Times New Roman" panose="02020603050405020304" pitchFamily="18" charset="0"/>
+                <a:cs typeface="Calibri" panose="020F0502020204030204" pitchFamily="34" charset="0"/>
+              </a:rPr>
+              <a:t>einen der beiden Knöpfe</a:t>
+            </a:r>
+            <a:r>
+              <a:rPr lang="de-DE" sz="2400" kern="100" dirty="0">
+                <a:latin typeface="Calibri" panose="020F0502020204030204" pitchFamily="34" charset="0"/>
+                <a:ea typeface="Times New Roman" panose="02020603050405020304" pitchFamily="18" charset="0"/>
+                <a:cs typeface="Calibri" panose="020F0502020204030204" pitchFamily="34" charset="0"/>
+              </a:rPr>
+              <a:t> an der Konsole zu drücken, um den Druck abzustellen.</a:t>
             </a:r>
           </a:p>
         </p:txBody>
@@ -6785,8 +6851,8 @@
         </p:nvSpPr>
         <p:spPr>
           <a:xfrm>
-            <a:off x="831668" y="1942792"/>
-            <a:ext cx="10528664" cy="4963859"/>
+            <a:off x="831668" y="1369360"/>
+            <a:ext cx="10528664" cy="5256439"/>
           </a:xfrm>
           <a:prstGeom prst="rect">
             <a:avLst/>
@@ -6844,7 +6910,7 @@
                 <a:ea typeface="Times New Roman" panose="02020603050405020304" pitchFamily="18" charset="0"/>
                 <a:cs typeface="Times New Roman" panose="02020603050405020304" pitchFamily="18" charset="0"/>
               </a:rPr>
-              <a:t>In diesem Durchgang wird zunächst ein Druck auf der </a:t>
+              <a:t>In diesem Durchgang wird zunächst ein Druck auf </a:t>
             </a:r>
             <a:r>
               <a:rPr lang="de-DE" sz="2400" b="1" kern="100" dirty="0">
@@ -6973,18 +7039,32 @@
                 <a:ea typeface="Times New Roman" panose="02020603050405020304" pitchFamily="18" charset="0"/>
                 <a:cs typeface="Times New Roman" panose="02020603050405020304" pitchFamily="18" charset="0"/>
               </a:rPr>
-              <a:t>Sobald Sie mit dem Regler das Maximum erreicht haben, stoppt der Kompressor, und die Luft wird abgelassen.</a:t>
-            </a:r>
-          </a:p>
-          <a:p>
-            <a:pPr>
-              <a:lnSpc>
-                <a:spcPct val="107000"/>
-              </a:lnSpc>
-              <a:spcAft>
-                <a:spcPts val="800"/>
-              </a:spcAft>
-            </a:pPr>
+              <a:t>Sobald Sie mit dem Regler das Maximum erreicht haben, stoppt der Kompressor, und die Luft auf </a:t>
+            </a:r>
+            <a:r>
+              <a:rPr lang="de-DE" sz="2400" b="1" kern="100" dirty="0">
+                <a:latin typeface="Calibri" panose="020F0502020204030204" pitchFamily="34" charset="0"/>
+                <a:ea typeface="Times New Roman" panose="02020603050405020304" pitchFamily="18" charset="0"/>
+                <a:cs typeface="Times New Roman" panose="02020603050405020304" pitchFamily="18" charset="0"/>
+              </a:rPr>
+              <a:t>der Manschette an Ihrem dominanten Bein</a:t>
+            </a:r>
+            <a:r>
+              <a:rPr lang="de-DE" sz="2400" kern="100" dirty="0">
+                <a:latin typeface="Calibri" panose="020F0502020204030204" pitchFamily="34" charset="0"/>
+                <a:ea typeface="Times New Roman" panose="02020603050405020304" pitchFamily="18" charset="0"/>
+                <a:cs typeface="Times New Roman" panose="02020603050405020304" pitchFamily="18" charset="0"/>
+              </a:rPr>
+              <a:t> wird abgelassen. Der Druck auf der </a:t>
+            </a:r>
+            <a:r>
+              <a:rPr lang="de-DE" sz="2400" b="1" kern="100" dirty="0">
+                <a:latin typeface="Calibri" panose="020F0502020204030204" pitchFamily="34" charset="0"/>
+                <a:ea typeface="Times New Roman" panose="02020603050405020304" pitchFamily="18" charset="0"/>
+                <a:cs typeface="Times New Roman" panose="02020603050405020304" pitchFamily="18" charset="0"/>
+              </a:rPr>
+              <a:t>nicht-dominanten Seite bleibt noch eine kurze Zeit konstant und wird dann ebenfalls abgelassen. </a:t>
+            </a:r>
             <a:endParaRPr lang="de-DE" sz="2400" kern="100" dirty="0">
               <a:latin typeface="Calibri" panose="020F0502020204030204" pitchFamily="34" charset="0"/>
               <a:ea typeface="Times New Roman" panose="02020603050405020304" pitchFamily="18" charset="0"/>
